--- a/CSC3510 S2021/Lectures/02VV_verification.pptx
+++ b/CSC3510 S2021/Lectures/02VV_verification.pptx
@@ -215,7 +215,7 @@
           <a:p>
             <a:fld id="{C8AEADBA-F76D-42CB-AAEA-5899A162C59D}" type="datetimeFigureOut">
               <a:rPr lang="en-US" smtClean="0"/>
-              <a:t>12/13/2020</a:t>
+              <a:t>1/16/2021</a:t>
             </a:fld>
             <a:endParaRPr lang="en-US"/>
           </a:p>
@@ -972,7 +972,7 @@
           <a:p>
             <a:fld id="{83777DF0-4DA5-40CD-8FA1-5F589D66E613}" type="datetimeFigureOut">
               <a:rPr lang="en-US" smtClean="0"/>
-              <a:t>12/13/2020</a:t>
+              <a:t>1/16/2021</a:t>
             </a:fld>
             <a:endParaRPr lang="en-US"/>
           </a:p>
@@ -1142,7 +1142,7 @@
           <a:p>
             <a:fld id="{83777DF0-4DA5-40CD-8FA1-5F589D66E613}" type="datetimeFigureOut">
               <a:rPr lang="en-US" smtClean="0"/>
-              <a:t>12/13/2020</a:t>
+              <a:t>1/16/2021</a:t>
             </a:fld>
             <a:endParaRPr lang="en-US"/>
           </a:p>
@@ -1322,7 +1322,7 @@
           <a:p>
             <a:fld id="{83777DF0-4DA5-40CD-8FA1-5F589D66E613}" type="datetimeFigureOut">
               <a:rPr lang="en-US" smtClean="0"/>
-              <a:t>12/13/2020</a:t>
+              <a:t>1/16/2021</a:t>
             </a:fld>
             <a:endParaRPr lang="en-US"/>
           </a:p>
@@ -1492,7 +1492,7 @@
           <a:p>
             <a:fld id="{83777DF0-4DA5-40CD-8FA1-5F589D66E613}" type="datetimeFigureOut">
               <a:rPr lang="en-US" smtClean="0"/>
-              <a:t>12/13/2020</a:t>
+              <a:t>1/16/2021</a:t>
             </a:fld>
             <a:endParaRPr lang="en-US"/>
           </a:p>
@@ -1738,7 +1738,7 @@
           <a:p>
             <a:fld id="{83777DF0-4DA5-40CD-8FA1-5F589D66E613}" type="datetimeFigureOut">
               <a:rPr lang="en-US" smtClean="0"/>
-              <a:t>12/13/2020</a:t>
+              <a:t>1/16/2021</a:t>
             </a:fld>
             <a:endParaRPr lang="en-US"/>
           </a:p>
@@ -1970,7 +1970,7 @@
           <a:p>
             <a:fld id="{83777DF0-4DA5-40CD-8FA1-5F589D66E613}" type="datetimeFigureOut">
               <a:rPr lang="en-US" smtClean="0"/>
-              <a:t>12/13/2020</a:t>
+              <a:t>1/16/2021</a:t>
             </a:fld>
             <a:endParaRPr lang="en-US"/>
           </a:p>
@@ -2337,7 +2337,7 @@
           <a:p>
             <a:fld id="{83777DF0-4DA5-40CD-8FA1-5F589D66E613}" type="datetimeFigureOut">
               <a:rPr lang="en-US" smtClean="0"/>
-              <a:t>12/13/2020</a:t>
+              <a:t>1/16/2021</a:t>
             </a:fld>
             <a:endParaRPr lang="en-US"/>
           </a:p>
@@ -2455,7 +2455,7 @@
           <a:p>
             <a:fld id="{83777DF0-4DA5-40CD-8FA1-5F589D66E613}" type="datetimeFigureOut">
               <a:rPr lang="en-US" smtClean="0"/>
-              <a:t>12/13/2020</a:t>
+              <a:t>1/16/2021</a:t>
             </a:fld>
             <a:endParaRPr lang="en-US"/>
           </a:p>
@@ -2550,7 +2550,7 @@
           <a:p>
             <a:fld id="{83777DF0-4DA5-40CD-8FA1-5F589D66E613}" type="datetimeFigureOut">
               <a:rPr lang="en-US" smtClean="0"/>
-              <a:t>12/13/2020</a:t>
+              <a:t>1/16/2021</a:t>
             </a:fld>
             <a:endParaRPr lang="en-US"/>
           </a:p>
@@ -2827,7 +2827,7 @@
           <a:p>
             <a:fld id="{83777DF0-4DA5-40CD-8FA1-5F589D66E613}" type="datetimeFigureOut">
               <a:rPr lang="en-US" smtClean="0"/>
-              <a:t>12/13/2020</a:t>
+              <a:t>1/16/2021</a:t>
             </a:fld>
             <a:endParaRPr lang="en-US"/>
           </a:p>
@@ -3084,7 +3084,7 @@
           <a:p>
             <a:fld id="{83777DF0-4DA5-40CD-8FA1-5F589D66E613}" type="datetimeFigureOut">
               <a:rPr lang="en-US" smtClean="0"/>
-              <a:t>12/13/2020</a:t>
+              <a:t>1/16/2021</a:t>
             </a:fld>
             <a:endParaRPr lang="en-US"/>
           </a:p>
@@ -3304,7 +3304,7 @@
           <a:p>
             <a:fld id="{83777DF0-4DA5-40CD-8FA1-5F589D66E613}" type="datetimeFigureOut">
               <a:rPr lang="en-US" smtClean="0"/>
-              <a:t>12/13/2020</a:t>
+              <a:t>1/16/2021</a:t>
             </a:fld>
             <a:endParaRPr lang="en-US"/>
           </a:p>

--- a/CSC3510 S2021/Lectures/02VV_verification.pptx
+++ b/CSC3510 S2021/Lectures/02VV_verification.pptx
@@ -215,7 +215,7 @@
           <a:p>
             <a:fld id="{C8AEADBA-F76D-42CB-AAEA-5899A162C59D}" type="datetimeFigureOut">
               <a:rPr lang="en-US" smtClean="0"/>
-              <a:t>1/16/2021</a:t>
+              <a:t>1/19/2021</a:t>
             </a:fld>
             <a:endParaRPr lang="en-US"/>
           </a:p>
@@ -972,7 +972,7 @@
           <a:p>
             <a:fld id="{83777DF0-4DA5-40CD-8FA1-5F589D66E613}" type="datetimeFigureOut">
               <a:rPr lang="en-US" smtClean="0"/>
-              <a:t>1/16/2021</a:t>
+              <a:t>1/19/2021</a:t>
             </a:fld>
             <a:endParaRPr lang="en-US"/>
           </a:p>
@@ -1142,7 +1142,7 @@
           <a:p>
             <a:fld id="{83777DF0-4DA5-40CD-8FA1-5F589D66E613}" type="datetimeFigureOut">
               <a:rPr lang="en-US" smtClean="0"/>
-              <a:t>1/16/2021</a:t>
+              <a:t>1/19/2021</a:t>
             </a:fld>
             <a:endParaRPr lang="en-US"/>
           </a:p>
@@ -1322,7 +1322,7 @@
           <a:p>
             <a:fld id="{83777DF0-4DA5-40CD-8FA1-5F589D66E613}" type="datetimeFigureOut">
               <a:rPr lang="en-US" smtClean="0"/>
-              <a:t>1/16/2021</a:t>
+              <a:t>1/19/2021</a:t>
             </a:fld>
             <a:endParaRPr lang="en-US"/>
           </a:p>
@@ -1492,7 +1492,7 @@
           <a:p>
             <a:fld id="{83777DF0-4DA5-40CD-8FA1-5F589D66E613}" type="datetimeFigureOut">
               <a:rPr lang="en-US" smtClean="0"/>
-              <a:t>1/16/2021</a:t>
+              <a:t>1/19/2021</a:t>
             </a:fld>
             <a:endParaRPr lang="en-US"/>
           </a:p>
@@ -1738,7 +1738,7 @@
           <a:p>
             <a:fld id="{83777DF0-4DA5-40CD-8FA1-5F589D66E613}" type="datetimeFigureOut">
               <a:rPr lang="en-US" smtClean="0"/>
-              <a:t>1/16/2021</a:t>
+              <a:t>1/19/2021</a:t>
             </a:fld>
             <a:endParaRPr lang="en-US"/>
           </a:p>
@@ -1970,7 +1970,7 @@
           <a:p>
             <a:fld id="{83777DF0-4DA5-40CD-8FA1-5F589D66E613}" type="datetimeFigureOut">
               <a:rPr lang="en-US" smtClean="0"/>
-              <a:t>1/16/2021</a:t>
+              <a:t>1/19/2021</a:t>
             </a:fld>
             <a:endParaRPr lang="en-US"/>
           </a:p>
@@ -2337,7 +2337,7 @@
           <a:p>
             <a:fld id="{83777DF0-4DA5-40CD-8FA1-5F589D66E613}" type="datetimeFigureOut">
               <a:rPr lang="en-US" smtClean="0"/>
-              <a:t>1/16/2021</a:t>
+              <a:t>1/19/2021</a:t>
             </a:fld>
             <a:endParaRPr lang="en-US"/>
           </a:p>
@@ -2455,7 +2455,7 @@
           <a:p>
             <a:fld id="{83777DF0-4DA5-40CD-8FA1-5F589D66E613}" type="datetimeFigureOut">
               <a:rPr lang="en-US" smtClean="0"/>
-              <a:t>1/16/2021</a:t>
+              <a:t>1/19/2021</a:t>
             </a:fld>
             <a:endParaRPr lang="en-US"/>
           </a:p>
@@ -2550,7 +2550,7 @@
           <a:p>
             <a:fld id="{83777DF0-4DA5-40CD-8FA1-5F589D66E613}" type="datetimeFigureOut">
               <a:rPr lang="en-US" smtClean="0"/>
-              <a:t>1/16/2021</a:t>
+              <a:t>1/19/2021</a:t>
             </a:fld>
             <a:endParaRPr lang="en-US"/>
           </a:p>
@@ -2827,7 +2827,7 @@
           <a:p>
             <a:fld id="{83777DF0-4DA5-40CD-8FA1-5F589D66E613}" type="datetimeFigureOut">
               <a:rPr lang="en-US" smtClean="0"/>
-              <a:t>1/16/2021</a:t>
+              <a:t>1/19/2021</a:t>
             </a:fld>
             <a:endParaRPr lang="en-US"/>
           </a:p>
@@ -3084,7 +3084,7 @@
           <a:p>
             <a:fld id="{83777DF0-4DA5-40CD-8FA1-5F589D66E613}" type="datetimeFigureOut">
               <a:rPr lang="en-US" smtClean="0"/>
-              <a:t>1/16/2021</a:t>
+              <a:t>1/19/2021</a:t>
             </a:fld>
             <a:endParaRPr lang="en-US"/>
           </a:p>
@@ -3304,7 +3304,7 @@
           <a:p>
             <a:fld id="{83777DF0-4DA5-40CD-8FA1-5F589D66E613}" type="datetimeFigureOut">
               <a:rPr lang="en-US" smtClean="0"/>
-              <a:t>1/16/2021</a:t>
+              <a:t>1/19/2021</a:t>
             </a:fld>
             <a:endParaRPr lang="en-US"/>
           </a:p>
@@ -4315,7 +4315,7 @@
         </p:blipFill>
         <p:spPr>
           <a:xfrm>
-            <a:off x="3838352" y="938710"/>
+            <a:off x="2453689" y="795019"/>
             <a:ext cx="5684607" cy="5130825"/>
           </a:xfrm>
           <a:prstGeom prst="rect">
@@ -7676,7 +7676,7 @@
         </p:blipFill>
         <p:spPr>
           <a:xfrm>
-            <a:off x="4325679" y="1565362"/>
+            <a:off x="4077643" y="1353215"/>
             <a:ext cx="6786340" cy="4319215"/>
           </a:xfrm>
           <a:prstGeom prst="rect">

--- a/CSC3510 S2021/Lectures/02VV_verification.pptx
+++ b/CSC3510 S2021/Lectures/02VV_verification.pptx
@@ -215,7 +215,7 @@
           <a:p>
             <a:fld id="{C8AEADBA-F76D-42CB-AAEA-5899A162C59D}" type="datetimeFigureOut">
               <a:rPr lang="en-US" smtClean="0"/>
-              <a:t>1/19/2021</a:t>
+              <a:t>1/20/2021</a:t>
             </a:fld>
             <a:endParaRPr lang="en-US"/>
           </a:p>
@@ -972,7 +972,7 @@
           <a:p>
             <a:fld id="{83777DF0-4DA5-40CD-8FA1-5F589D66E613}" type="datetimeFigureOut">
               <a:rPr lang="en-US" smtClean="0"/>
-              <a:t>1/19/2021</a:t>
+              <a:t>1/20/2021</a:t>
             </a:fld>
             <a:endParaRPr lang="en-US"/>
           </a:p>
@@ -1142,7 +1142,7 @@
           <a:p>
             <a:fld id="{83777DF0-4DA5-40CD-8FA1-5F589D66E613}" type="datetimeFigureOut">
               <a:rPr lang="en-US" smtClean="0"/>
-              <a:t>1/19/2021</a:t>
+              <a:t>1/20/2021</a:t>
             </a:fld>
             <a:endParaRPr lang="en-US"/>
           </a:p>
@@ -1322,7 +1322,7 @@
           <a:p>
             <a:fld id="{83777DF0-4DA5-40CD-8FA1-5F589D66E613}" type="datetimeFigureOut">
               <a:rPr lang="en-US" smtClean="0"/>
-              <a:t>1/19/2021</a:t>
+              <a:t>1/20/2021</a:t>
             </a:fld>
             <a:endParaRPr lang="en-US"/>
           </a:p>
@@ -1492,7 +1492,7 @@
           <a:p>
             <a:fld id="{83777DF0-4DA5-40CD-8FA1-5F589D66E613}" type="datetimeFigureOut">
               <a:rPr lang="en-US" smtClean="0"/>
-              <a:t>1/19/2021</a:t>
+              <a:t>1/20/2021</a:t>
             </a:fld>
             <a:endParaRPr lang="en-US"/>
           </a:p>
@@ -1738,7 +1738,7 @@
           <a:p>
             <a:fld id="{83777DF0-4DA5-40CD-8FA1-5F589D66E613}" type="datetimeFigureOut">
               <a:rPr lang="en-US" smtClean="0"/>
-              <a:t>1/19/2021</a:t>
+              <a:t>1/20/2021</a:t>
             </a:fld>
             <a:endParaRPr lang="en-US"/>
           </a:p>
@@ -1970,7 +1970,7 @@
           <a:p>
             <a:fld id="{83777DF0-4DA5-40CD-8FA1-5F589D66E613}" type="datetimeFigureOut">
               <a:rPr lang="en-US" smtClean="0"/>
-              <a:t>1/19/2021</a:t>
+              <a:t>1/20/2021</a:t>
             </a:fld>
             <a:endParaRPr lang="en-US"/>
           </a:p>
@@ -2337,7 +2337,7 @@
           <a:p>
             <a:fld id="{83777DF0-4DA5-40CD-8FA1-5F589D66E613}" type="datetimeFigureOut">
               <a:rPr lang="en-US" smtClean="0"/>
-              <a:t>1/19/2021</a:t>
+              <a:t>1/20/2021</a:t>
             </a:fld>
             <a:endParaRPr lang="en-US"/>
           </a:p>
@@ -2455,7 +2455,7 @@
           <a:p>
             <a:fld id="{83777DF0-4DA5-40CD-8FA1-5F589D66E613}" type="datetimeFigureOut">
               <a:rPr lang="en-US" smtClean="0"/>
-              <a:t>1/19/2021</a:t>
+              <a:t>1/20/2021</a:t>
             </a:fld>
             <a:endParaRPr lang="en-US"/>
           </a:p>
@@ -2550,7 +2550,7 @@
           <a:p>
             <a:fld id="{83777DF0-4DA5-40CD-8FA1-5F589D66E613}" type="datetimeFigureOut">
               <a:rPr lang="en-US" smtClean="0"/>
-              <a:t>1/19/2021</a:t>
+              <a:t>1/20/2021</a:t>
             </a:fld>
             <a:endParaRPr lang="en-US"/>
           </a:p>
@@ -2827,7 +2827,7 @@
           <a:p>
             <a:fld id="{83777DF0-4DA5-40CD-8FA1-5F589D66E613}" type="datetimeFigureOut">
               <a:rPr lang="en-US" smtClean="0"/>
-              <a:t>1/19/2021</a:t>
+              <a:t>1/20/2021</a:t>
             </a:fld>
             <a:endParaRPr lang="en-US"/>
           </a:p>
@@ -3084,7 +3084,7 @@
           <a:p>
             <a:fld id="{83777DF0-4DA5-40CD-8FA1-5F589D66E613}" type="datetimeFigureOut">
               <a:rPr lang="en-US" smtClean="0"/>
-              <a:t>1/19/2021</a:t>
+              <a:t>1/20/2021</a:t>
             </a:fld>
             <a:endParaRPr lang="en-US"/>
           </a:p>
@@ -3304,7 +3304,7 @@
           <a:p>
             <a:fld id="{83777DF0-4DA5-40CD-8FA1-5F589D66E613}" type="datetimeFigureOut">
               <a:rPr lang="en-US" smtClean="0"/>
-              <a:t>1/19/2021</a:t>
+              <a:t>1/20/2021</a:t>
             </a:fld>
             <a:endParaRPr lang="en-US"/>
           </a:p>
@@ -7676,8 +7676,8 @@
         </p:blipFill>
         <p:spPr>
           <a:xfrm>
-            <a:off x="4077643" y="1353215"/>
-            <a:ext cx="6786340" cy="4319215"/>
+            <a:off x="3788884" y="1463989"/>
+            <a:ext cx="7829933" cy="4983417"/>
           </a:xfrm>
           <a:prstGeom prst="rect">
             <a:avLst/>

--- a/CSC3510 S2021/Lectures/02VV_verification.pptx
+++ b/CSC3510 S2021/Lectures/02VV_verification.pptx
@@ -215,7 +215,7 @@
           <a:p>
             <a:fld id="{C8AEADBA-F76D-42CB-AAEA-5899A162C59D}" type="datetimeFigureOut">
               <a:rPr lang="en-US" smtClean="0"/>
-              <a:t>1/20/2021</a:t>
+              <a:t>2/24/2021</a:t>
             </a:fld>
             <a:endParaRPr lang="en-US"/>
           </a:p>
@@ -972,7 +972,7 @@
           <a:p>
             <a:fld id="{83777DF0-4DA5-40CD-8FA1-5F589D66E613}" type="datetimeFigureOut">
               <a:rPr lang="en-US" smtClean="0"/>
-              <a:t>1/20/2021</a:t>
+              <a:t>2/24/2021</a:t>
             </a:fld>
             <a:endParaRPr lang="en-US"/>
           </a:p>
@@ -1142,7 +1142,7 @@
           <a:p>
             <a:fld id="{83777DF0-4DA5-40CD-8FA1-5F589D66E613}" type="datetimeFigureOut">
               <a:rPr lang="en-US" smtClean="0"/>
-              <a:t>1/20/2021</a:t>
+              <a:t>2/24/2021</a:t>
             </a:fld>
             <a:endParaRPr lang="en-US"/>
           </a:p>
@@ -1322,7 +1322,7 @@
           <a:p>
             <a:fld id="{83777DF0-4DA5-40CD-8FA1-5F589D66E613}" type="datetimeFigureOut">
               <a:rPr lang="en-US" smtClean="0"/>
-              <a:t>1/20/2021</a:t>
+              <a:t>2/24/2021</a:t>
             </a:fld>
             <a:endParaRPr lang="en-US"/>
           </a:p>
@@ -1492,7 +1492,7 @@
           <a:p>
             <a:fld id="{83777DF0-4DA5-40CD-8FA1-5F589D66E613}" type="datetimeFigureOut">
               <a:rPr lang="en-US" smtClean="0"/>
-              <a:t>1/20/2021</a:t>
+              <a:t>2/24/2021</a:t>
             </a:fld>
             <a:endParaRPr lang="en-US"/>
           </a:p>
@@ -1738,7 +1738,7 @@
           <a:p>
             <a:fld id="{83777DF0-4DA5-40CD-8FA1-5F589D66E613}" type="datetimeFigureOut">
               <a:rPr lang="en-US" smtClean="0"/>
-              <a:t>1/20/2021</a:t>
+              <a:t>2/24/2021</a:t>
             </a:fld>
             <a:endParaRPr lang="en-US"/>
           </a:p>
@@ -1970,7 +1970,7 @@
           <a:p>
             <a:fld id="{83777DF0-4DA5-40CD-8FA1-5F589D66E613}" type="datetimeFigureOut">
               <a:rPr lang="en-US" smtClean="0"/>
-              <a:t>1/20/2021</a:t>
+              <a:t>2/24/2021</a:t>
             </a:fld>
             <a:endParaRPr lang="en-US"/>
           </a:p>
@@ -2337,7 +2337,7 @@
           <a:p>
             <a:fld id="{83777DF0-4DA5-40CD-8FA1-5F589D66E613}" type="datetimeFigureOut">
               <a:rPr lang="en-US" smtClean="0"/>
-              <a:t>1/20/2021</a:t>
+              <a:t>2/24/2021</a:t>
             </a:fld>
             <a:endParaRPr lang="en-US"/>
           </a:p>
@@ -2455,7 +2455,7 @@
           <a:p>
             <a:fld id="{83777DF0-4DA5-40CD-8FA1-5F589D66E613}" type="datetimeFigureOut">
               <a:rPr lang="en-US" smtClean="0"/>
-              <a:t>1/20/2021</a:t>
+              <a:t>2/24/2021</a:t>
             </a:fld>
             <a:endParaRPr lang="en-US"/>
           </a:p>
@@ -2550,7 +2550,7 @@
           <a:p>
             <a:fld id="{83777DF0-4DA5-40CD-8FA1-5F589D66E613}" type="datetimeFigureOut">
               <a:rPr lang="en-US" smtClean="0"/>
-              <a:t>1/20/2021</a:t>
+              <a:t>2/24/2021</a:t>
             </a:fld>
             <a:endParaRPr lang="en-US"/>
           </a:p>
@@ -2827,7 +2827,7 @@
           <a:p>
             <a:fld id="{83777DF0-4DA5-40CD-8FA1-5F589D66E613}" type="datetimeFigureOut">
               <a:rPr lang="en-US" smtClean="0"/>
-              <a:t>1/20/2021</a:t>
+              <a:t>2/24/2021</a:t>
             </a:fld>
             <a:endParaRPr lang="en-US"/>
           </a:p>
@@ -3084,7 +3084,7 @@
           <a:p>
             <a:fld id="{83777DF0-4DA5-40CD-8FA1-5F589D66E613}" type="datetimeFigureOut">
               <a:rPr lang="en-US" smtClean="0"/>
-              <a:t>1/20/2021</a:t>
+              <a:t>2/24/2021</a:t>
             </a:fld>
             <a:endParaRPr lang="en-US"/>
           </a:p>
@@ -3304,7 +3304,7 @@
           <a:p>
             <a:fld id="{83777DF0-4DA5-40CD-8FA1-5F589D66E613}" type="datetimeFigureOut">
               <a:rPr lang="en-US" smtClean="0"/>
-              <a:t>1/20/2021</a:t>
+              <a:t>2/24/2021</a:t>
             </a:fld>
             <a:endParaRPr lang="en-US"/>
           </a:p>
@@ -4463,7 +4463,7 @@
         </p:blipFill>
         <p:spPr>
           <a:xfrm>
-            <a:off x="80962" y="2194957"/>
+            <a:off x="80962" y="2155768"/>
             <a:ext cx="12030075" cy="2781300"/>
           </a:xfrm>
           <a:prstGeom prst="rect">

--- a/CSC3510 S2021/Lectures/02VV_verification.pptx
+++ b/CSC3510 S2021/Lectures/02VV_verification.pptx
@@ -215,7 +215,7 @@
           <a:p>
             <a:fld id="{C8AEADBA-F76D-42CB-AAEA-5899A162C59D}" type="datetimeFigureOut">
               <a:rPr lang="en-US" smtClean="0"/>
-              <a:t>2/24/2021</a:t>
+              <a:t>4/4/2021</a:t>
             </a:fld>
             <a:endParaRPr lang="en-US"/>
           </a:p>
@@ -972,7 +972,7 @@
           <a:p>
             <a:fld id="{83777DF0-4DA5-40CD-8FA1-5F589D66E613}" type="datetimeFigureOut">
               <a:rPr lang="en-US" smtClean="0"/>
-              <a:t>2/24/2021</a:t>
+              <a:t>4/4/2021</a:t>
             </a:fld>
             <a:endParaRPr lang="en-US"/>
           </a:p>
@@ -1142,7 +1142,7 @@
           <a:p>
             <a:fld id="{83777DF0-4DA5-40CD-8FA1-5F589D66E613}" type="datetimeFigureOut">
               <a:rPr lang="en-US" smtClean="0"/>
-              <a:t>2/24/2021</a:t>
+              <a:t>4/4/2021</a:t>
             </a:fld>
             <a:endParaRPr lang="en-US"/>
           </a:p>
@@ -1322,7 +1322,7 @@
           <a:p>
             <a:fld id="{83777DF0-4DA5-40CD-8FA1-5F589D66E613}" type="datetimeFigureOut">
               <a:rPr lang="en-US" smtClean="0"/>
-              <a:t>2/24/2021</a:t>
+              <a:t>4/4/2021</a:t>
             </a:fld>
             <a:endParaRPr lang="en-US"/>
           </a:p>
@@ -1492,7 +1492,7 @@
           <a:p>
             <a:fld id="{83777DF0-4DA5-40CD-8FA1-5F589D66E613}" type="datetimeFigureOut">
               <a:rPr lang="en-US" smtClean="0"/>
-              <a:t>2/24/2021</a:t>
+              <a:t>4/4/2021</a:t>
             </a:fld>
             <a:endParaRPr lang="en-US"/>
           </a:p>
@@ -1738,7 +1738,7 @@
           <a:p>
             <a:fld id="{83777DF0-4DA5-40CD-8FA1-5F589D66E613}" type="datetimeFigureOut">
               <a:rPr lang="en-US" smtClean="0"/>
-              <a:t>2/24/2021</a:t>
+              <a:t>4/4/2021</a:t>
             </a:fld>
             <a:endParaRPr lang="en-US"/>
           </a:p>
@@ -1970,7 +1970,7 @@
           <a:p>
             <a:fld id="{83777DF0-4DA5-40CD-8FA1-5F589D66E613}" type="datetimeFigureOut">
               <a:rPr lang="en-US" smtClean="0"/>
-              <a:t>2/24/2021</a:t>
+              <a:t>4/4/2021</a:t>
             </a:fld>
             <a:endParaRPr lang="en-US"/>
           </a:p>
@@ -2337,7 +2337,7 @@
           <a:p>
             <a:fld id="{83777DF0-4DA5-40CD-8FA1-5F589D66E613}" type="datetimeFigureOut">
               <a:rPr lang="en-US" smtClean="0"/>
-              <a:t>2/24/2021</a:t>
+              <a:t>4/4/2021</a:t>
             </a:fld>
             <a:endParaRPr lang="en-US"/>
           </a:p>
@@ -2455,7 +2455,7 @@
           <a:p>
             <a:fld id="{83777DF0-4DA5-40CD-8FA1-5F589D66E613}" type="datetimeFigureOut">
               <a:rPr lang="en-US" smtClean="0"/>
-              <a:t>2/24/2021</a:t>
+              <a:t>4/4/2021</a:t>
             </a:fld>
             <a:endParaRPr lang="en-US"/>
           </a:p>
@@ -2550,7 +2550,7 @@
           <a:p>
             <a:fld id="{83777DF0-4DA5-40CD-8FA1-5F589D66E613}" type="datetimeFigureOut">
               <a:rPr lang="en-US" smtClean="0"/>
-              <a:t>2/24/2021</a:t>
+              <a:t>4/4/2021</a:t>
             </a:fld>
             <a:endParaRPr lang="en-US"/>
           </a:p>
@@ -2827,7 +2827,7 @@
           <a:p>
             <a:fld id="{83777DF0-4DA5-40CD-8FA1-5F589D66E613}" type="datetimeFigureOut">
               <a:rPr lang="en-US" smtClean="0"/>
-              <a:t>2/24/2021</a:t>
+              <a:t>4/4/2021</a:t>
             </a:fld>
             <a:endParaRPr lang="en-US"/>
           </a:p>
@@ -3084,7 +3084,7 @@
           <a:p>
             <a:fld id="{83777DF0-4DA5-40CD-8FA1-5F589D66E613}" type="datetimeFigureOut">
               <a:rPr lang="en-US" smtClean="0"/>
-              <a:t>2/24/2021</a:t>
+              <a:t>4/4/2021</a:t>
             </a:fld>
             <a:endParaRPr lang="en-US"/>
           </a:p>
@@ -3304,7 +3304,7 @@
           <a:p>
             <a:fld id="{83777DF0-4DA5-40CD-8FA1-5F589D66E613}" type="datetimeFigureOut">
               <a:rPr lang="en-US" smtClean="0"/>
-              <a:t>2/24/2021</a:t>
+              <a:t>4/4/2021</a:t>
             </a:fld>
             <a:endParaRPr lang="en-US"/>
           </a:p>
@@ -7461,7 +7461,7 @@
         </p:blipFill>
         <p:spPr>
           <a:xfrm>
-            <a:off x="3249354" y="1957569"/>
+            <a:off x="2739903" y="1461181"/>
             <a:ext cx="5474660" cy="4087449"/>
           </a:xfrm>
           <a:prstGeom prst="rect">
